--- a/Slides/Oracle DB & SQL Developer - Bolum IV.pptx
+++ b/Slides/Oracle DB & SQL Developer - Bolum IV.pptx
@@ -59,7 +59,7 @@
     <p:sldId id="305" r:id="rId50"/>
     <p:sldId id="306" r:id="rId51"/>
     <p:sldId id="309" r:id="rId52"/>
-    <p:sldId id="308" r:id="rId53"/>
+    <p:sldId id="310" r:id="rId53"/>
   </p:sldIdLst>
   <p:sldSz cx="12192000" cy="6858000"/>
   <p:notesSz cx="6858000" cy="9144000"/>
@@ -248,7 +248,7 @@
           <a:p>
             <a:fld id="{9C139B64-A1E1-4353-929E-54578F86547B}" type="datetimeFigureOut">
               <a:rPr lang="en-US" smtClean="0"/>
-              <a:t>5/3/2023</a:t>
+              <a:t>5/7/2023</a:t>
             </a:fld>
             <a:endParaRPr lang="en-US"/>
           </a:p>
@@ -825,7 +825,7 @@
           <a:p>
             <a:fld id="{1EF65BA3-D42C-4D83-83AF-D4390FDCAD1F}" type="datetimeFigureOut">
               <a:rPr lang="en-US" smtClean="0"/>
-              <a:t>5/2/2023</a:t>
+              <a:t>5/7/2023</a:t>
             </a:fld>
             <a:endParaRPr lang="en-US"/>
           </a:p>
@@ -1023,7 +1023,7 @@
           <a:p>
             <a:fld id="{1EF65BA3-D42C-4D83-83AF-D4390FDCAD1F}" type="datetimeFigureOut">
               <a:rPr lang="en-US" smtClean="0"/>
-              <a:t>5/2/2023</a:t>
+              <a:t>5/7/2023</a:t>
             </a:fld>
             <a:endParaRPr lang="en-US"/>
           </a:p>
@@ -1231,7 +1231,7 @@
           <a:p>
             <a:fld id="{1EF65BA3-D42C-4D83-83AF-D4390FDCAD1F}" type="datetimeFigureOut">
               <a:rPr lang="en-US" smtClean="0"/>
-              <a:t>5/2/2023</a:t>
+              <a:t>5/7/2023</a:t>
             </a:fld>
             <a:endParaRPr lang="en-US"/>
           </a:p>
@@ -1429,7 +1429,7 @@
           <a:p>
             <a:fld id="{1EF65BA3-D42C-4D83-83AF-D4390FDCAD1F}" type="datetimeFigureOut">
               <a:rPr lang="en-US" smtClean="0"/>
-              <a:t>5/2/2023</a:t>
+              <a:t>5/7/2023</a:t>
             </a:fld>
             <a:endParaRPr lang="en-US"/>
           </a:p>
@@ -1704,7 +1704,7 @@
           <a:p>
             <a:fld id="{1EF65BA3-D42C-4D83-83AF-D4390FDCAD1F}" type="datetimeFigureOut">
               <a:rPr lang="en-US" smtClean="0"/>
-              <a:t>5/2/2023</a:t>
+              <a:t>5/7/2023</a:t>
             </a:fld>
             <a:endParaRPr lang="en-US"/>
           </a:p>
@@ -1969,7 +1969,7 @@
           <a:p>
             <a:fld id="{1EF65BA3-D42C-4D83-83AF-D4390FDCAD1F}" type="datetimeFigureOut">
               <a:rPr lang="en-US" smtClean="0"/>
-              <a:t>5/2/2023</a:t>
+              <a:t>5/7/2023</a:t>
             </a:fld>
             <a:endParaRPr lang="en-US"/>
           </a:p>
@@ -2381,7 +2381,7 @@
           <a:p>
             <a:fld id="{1EF65BA3-D42C-4D83-83AF-D4390FDCAD1F}" type="datetimeFigureOut">
               <a:rPr lang="en-US" smtClean="0"/>
-              <a:t>5/2/2023</a:t>
+              <a:t>5/7/2023</a:t>
             </a:fld>
             <a:endParaRPr lang="en-US"/>
           </a:p>
@@ -2522,7 +2522,7 @@
           <a:p>
             <a:fld id="{1EF65BA3-D42C-4D83-83AF-D4390FDCAD1F}" type="datetimeFigureOut">
               <a:rPr lang="en-US" smtClean="0"/>
-              <a:t>5/2/2023</a:t>
+              <a:t>5/7/2023</a:t>
             </a:fld>
             <a:endParaRPr lang="en-US"/>
           </a:p>
@@ -2635,7 +2635,7 @@
           <a:p>
             <a:fld id="{1EF65BA3-D42C-4D83-83AF-D4390FDCAD1F}" type="datetimeFigureOut">
               <a:rPr lang="en-US" smtClean="0"/>
-              <a:t>5/2/2023</a:t>
+              <a:t>5/7/2023</a:t>
             </a:fld>
             <a:endParaRPr lang="en-US"/>
           </a:p>
@@ -2946,7 +2946,7 @@
           <a:p>
             <a:fld id="{1EF65BA3-D42C-4D83-83AF-D4390FDCAD1F}" type="datetimeFigureOut">
               <a:rPr lang="en-US" smtClean="0"/>
-              <a:t>5/2/2023</a:t>
+              <a:t>5/7/2023</a:t>
             </a:fld>
             <a:endParaRPr lang="en-US"/>
           </a:p>
@@ -3234,7 +3234,7 @@
           <a:p>
             <a:fld id="{1EF65BA3-D42C-4D83-83AF-D4390FDCAD1F}" type="datetimeFigureOut">
               <a:rPr lang="en-US" smtClean="0"/>
-              <a:t>5/2/2023</a:t>
+              <a:t>5/7/2023</a:t>
             </a:fld>
             <a:endParaRPr lang="en-US"/>
           </a:p>
@@ -3475,7 +3475,7 @@
           <a:p>
             <a:fld id="{1EF65BA3-D42C-4D83-83AF-D4390FDCAD1F}" type="datetimeFigureOut">
               <a:rPr lang="en-US" smtClean="0"/>
-              <a:t>5/2/2023</a:t>
+              <a:t>5/7/2023</a:t>
             </a:fld>
             <a:endParaRPr lang="en-US"/>
           </a:p>
@@ -7514,7 +7514,23 @@
           <a:bodyPr/>
           <a:lstStyle/>
           <a:p>
-            <a:endParaRPr lang="en-US"/>
+            <a:r>
+              <a:rPr lang="en-US" sz="4400" b="1" dirty="0" err="1"/>
+              <a:t>Anonim</a:t>
+            </a:r>
+            <a:r>
+              <a:rPr lang="en-US" sz="4400" b="1" dirty="0"/>
+              <a:t> </a:t>
+            </a:r>
+            <a:r>
+              <a:rPr lang="en-US" sz="4400" b="1" dirty="0" err="1"/>
+              <a:t>Bloklar</a:t>
+            </a:r>
+            <a:r>
+              <a:rPr lang="en-US" sz="4400" b="1" dirty="0"/>
+              <a:t>; </a:t>
+            </a:r>
+            <a:endParaRPr lang="en-US" dirty="0"/>
           </a:p>
         </p:txBody>
       </p:sp>
@@ -8957,7 +8973,35 @@
           <a:bodyPr/>
           <a:lstStyle/>
           <a:p>
-            <a:endParaRPr lang="en-US"/>
+            <a:r>
+              <a:rPr lang="en-US" b="1" dirty="0"/>
+              <a:t>PL/</a:t>
+            </a:r>
+            <a:r>
+              <a:rPr lang="en-US" b="1" dirty="0" err="1"/>
+              <a:t>SQL’de</a:t>
+            </a:r>
+            <a:r>
+              <a:rPr lang="en-US" b="1" dirty="0"/>
+              <a:t> </a:t>
+            </a:r>
+            <a:r>
+              <a:rPr lang="en-US" b="1" dirty="0" err="1"/>
+              <a:t>Sıra</a:t>
+            </a:r>
+            <a:r>
+              <a:rPr lang="en-US" b="1" dirty="0"/>
+              <a:t> </a:t>
+            </a:r>
+            <a:r>
+              <a:rPr lang="en-US" b="1" dirty="0" err="1"/>
+              <a:t>Yapısı</a:t>
+            </a:r>
+            <a:r>
+              <a:rPr lang="en-US" b="1" dirty="0"/>
+              <a:t> (Sequence) </a:t>
+            </a:r>
+            <a:endParaRPr lang="en-US" dirty="0"/>
           </a:p>
         </p:txBody>
       </p:sp>
@@ -10067,6 +10111,62 @@
           <a:bodyPr/>
           <a:lstStyle/>
           <a:p>
+            <a:r>
+              <a:rPr lang="en-US" b="1" dirty="0">
+                <a:solidFill>
+                  <a:srgbClr val="002060"/>
+                </a:solidFill>
+              </a:rPr>
+              <a:t>PL/</a:t>
+            </a:r>
+            <a:r>
+              <a:rPr lang="en-US" b="1" dirty="0" err="1">
+                <a:solidFill>
+                  <a:srgbClr val="002060"/>
+                </a:solidFill>
+              </a:rPr>
+              <a:t>SQL’de</a:t>
+            </a:r>
+            <a:r>
+              <a:rPr lang="en-US" b="1" dirty="0">
+                <a:solidFill>
+                  <a:srgbClr val="002060"/>
+                </a:solidFill>
+              </a:rPr>
+              <a:t> </a:t>
+            </a:r>
+            <a:r>
+              <a:rPr lang="en-US" b="1" dirty="0" err="1">
+                <a:solidFill>
+                  <a:srgbClr val="002060"/>
+                </a:solidFill>
+              </a:rPr>
+              <a:t>Hata</a:t>
+            </a:r>
+            <a:r>
+              <a:rPr lang="en-US" b="1" dirty="0">
+                <a:solidFill>
+                  <a:srgbClr val="002060"/>
+                </a:solidFill>
+              </a:rPr>
+              <a:t> </a:t>
+            </a:r>
+            <a:r>
+              <a:rPr lang="en-US" b="1" dirty="0" err="1">
+                <a:solidFill>
+                  <a:srgbClr val="002060"/>
+                </a:solidFill>
+              </a:rPr>
+              <a:t>İşleme</a:t>
+            </a:r>
+            <a:r>
+              <a:rPr lang="en-US" b="1" dirty="0">
+                <a:solidFill>
+                  <a:srgbClr val="002060"/>
+                </a:solidFill>
+              </a:rPr>
+              <a:t>( Error Handling) </a:t>
+            </a:r>
             <a:endParaRPr lang="en-US" dirty="0"/>
           </a:p>
         </p:txBody>
@@ -10383,198 +10483,197 @@
               <a:t>: </a:t>
             </a:r>
             <a:r>
-              <a:rPr lang="en-US" sz="2400" b="1" dirty="0" err="1"/>
+              <a:rPr lang="en-US" sz="2400" dirty="0" err="1"/>
               <a:t>Takımın</a:t>
             </a:r>
             <a:r>
-              <a:rPr lang="en-US" sz="2400" b="1" dirty="0"/>
-              <a:t> </a:t>
-            </a:r>
-            <a:r>
-              <a:rPr lang="en-US" sz="2400" b="1" dirty="0" err="1"/>
+              <a:rPr lang="en-US" sz="2400" dirty="0"/>
+              <a:t> </a:t>
+            </a:r>
+            <a:r>
+              <a:rPr lang="en-US" sz="2400" dirty="0" err="1"/>
               <a:t>ismi</a:t>
             </a:r>
             <a:r>
-              <a:rPr lang="en-US" sz="2400" b="1" dirty="0"/>
-              <a:t> </a:t>
-            </a:r>
-            <a:r>
-              <a:rPr lang="en-US" sz="2400" b="1" dirty="0" err="1"/>
+              <a:rPr lang="en-US" sz="2400" dirty="0"/>
+              <a:t> </a:t>
+            </a:r>
+            <a:r>
+              <a:rPr lang="en-US" sz="2400" dirty="0" err="1"/>
               <a:t>girildiğinde</a:t>
             </a:r>
             <a:r>
-              <a:rPr lang="en-US" sz="2400" b="1" dirty="0"/>
-              <a:t> </a:t>
-            </a:r>
-            <a:r>
-              <a:rPr lang="en-US" sz="2400" b="1" dirty="0" err="1"/>
+              <a:rPr lang="en-US" sz="2400" dirty="0"/>
+              <a:t> </a:t>
+            </a:r>
+            <a:r>
+              <a:rPr lang="en-US" sz="2400" dirty="0" err="1"/>
               <a:t>bu</a:t>
             </a:r>
             <a:r>
-              <a:rPr lang="en-US" sz="2400" b="1" dirty="0"/>
-              <a:t> </a:t>
-            </a:r>
-            <a:r>
-              <a:rPr lang="en-US" sz="2400" b="1" dirty="0" err="1"/>
+              <a:rPr lang="en-US" sz="2400" dirty="0"/>
+              <a:t> </a:t>
+            </a:r>
+            <a:r>
+              <a:rPr lang="en-US" sz="2400" dirty="0" err="1"/>
               <a:t>takımın</a:t>
             </a:r>
             <a:r>
-              <a:rPr lang="en-US" sz="2400" b="1" dirty="0"/>
-              <a:t> </a:t>
-            </a:r>
-            <a:r>
-              <a:rPr lang="en-US" sz="2400" b="1" dirty="0" err="1"/>
+              <a:rPr lang="en-US" sz="2400" dirty="0"/>
+              <a:t> </a:t>
+            </a:r>
+            <a:r>
+              <a:rPr lang="en-US" sz="2400" dirty="0" err="1"/>
               <a:t>puanın</a:t>
             </a:r>
             <a:r>
-              <a:rPr lang="en-US" sz="2400" b="1" dirty="0"/>
-              <a:t> </a:t>
-            </a:r>
-            <a:r>
-              <a:rPr lang="en-US" sz="2400" b="1" dirty="0" err="1"/>
+              <a:rPr lang="en-US" sz="2400" dirty="0"/>
+              <a:t> </a:t>
+            </a:r>
+            <a:r>
+              <a:rPr lang="en-US" sz="2400" dirty="0" err="1"/>
               <a:t>tüm</a:t>
             </a:r>
             <a:r>
-              <a:rPr lang="en-US" sz="2400" b="1" dirty="0"/>
-              <a:t> </a:t>
-            </a:r>
-            <a:r>
-              <a:rPr lang="en-US" sz="2400" b="1" dirty="0" err="1"/>
+              <a:rPr lang="en-US" sz="2400" dirty="0"/>
+              <a:t> </a:t>
+            </a:r>
+            <a:r>
+              <a:rPr lang="en-US" sz="2400" dirty="0" err="1"/>
               <a:t>takımların</a:t>
             </a:r>
             <a:r>
-              <a:rPr lang="en-US" sz="2400" b="1" dirty="0"/>
-              <a:t> </a:t>
-            </a:r>
-            <a:r>
-              <a:rPr lang="en-US" sz="2400" b="1" dirty="0" err="1"/>
+              <a:rPr lang="en-US" sz="2400" dirty="0"/>
+              <a:t> </a:t>
+            </a:r>
+            <a:r>
+              <a:rPr lang="en-US" sz="2400" dirty="0" err="1"/>
               <a:t>puanına</a:t>
             </a:r>
             <a:r>
-              <a:rPr lang="en-US" sz="2400" b="1" dirty="0"/>
-              <a:t> </a:t>
-            </a:r>
-            <a:r>
-              <a:rPr lang="en-US" sz="2400" b="1" dirty="0" err="1"/>
+              <a:rPr lang="en-US" sz="2400" dirty="0"/>
+              <a:t> </a:t>
+            </a:r>
+            <a:r>
+              <a:rPr lang="en-US" sz="2400" dirty="0" err="1"/>
               <a:t>oranı</a:t>
             </a:r>
             <a:r>
-              <a:rPr lang="en-US" sz="2400" b="1" dirty="0"/>
-              <a:t> </a:t>
-            </a:r>
-            <a:r>
-              <a:rPr lang="en-US" sz="2400" b="1" dirty="0" err="1"/>
+              <a:rPr lang="en-US" sz="2400" dirty="0"/>
+              <a:t> </a:t>
+            </a:r>
+            <a:r>
+              <a:rPr lang="en-US" sz="2400" dirty="0" err="1"/>
               <a:t>nedir</a:t>
             </a:r>
             <a:r>
-              <a:rPr lang="en-US" sz="2400" b="1" dirty="0"/>
-              <a:t> </a:t>
-            </a:r>
-            <a:r>
-              <a:rPr lang="en-US" sz="2400" b="1" dirty="0" err="1"/>
+              <a:rPr lang="en-US" sz="2400" dirty="0"/>
+              <a:t> </a:t>
+            </a:r>
+            <a:r>
+              <a:rPr lang="en-US" sz="2400" dirty="0" err="1"/>
               <a:t>sorusuna</a:t>
             </a:r>
             <a:r>
-              <a:rPr lang="en-US" sz="2400" b="1" dirty="0"/>
-              <a:t> </a:t>
-            </a:r>
-            <a:r>
-              <a:rPr lang="en-US" sz="2400" b="1" dirty="0" err="1"/>
+              <a:rPr lang="en-US" sz="2400" dirty="0"/>
+              <a:t> </a:t>
+            </a:r>
+            <a:r>
+              <a:rPr lang="en-US" sz="2400" dirty="0" err="1"/>
               <a:t>cevap</a:t>
             </a:r>
             <a:r>
-              <a:rPr lang="en-US" sz="2400" b="1" dirty="0"/>
-              <a:t> </a:t>
-            </a:r>
-            <a:r>
-              <a:rPr lang="en-US" sz="2400" b="1" dirty="0" err="1"/>
+              <a:rPr lang="en-US" sz="2400" dirty="0"/>
+              <a:t> </a:t>
+            </a:r>
+            <a:r>
+              <a:rPr lang="en-US" sz="2400" dirty="0" err="1"/>
               <a:t>veren</a:t>
             </a:r>
             <a:r>
-              <a:rPr lang="en-US" sz="2400" b="1" dirty="0"/>
-              <a:t> </a:t>
-            </a:r>
-            <a:r>
-              <a:rPr lang="en-US" sz="2400" b="1" dirty="0" err="1"/>
+              <a:rPr lang="en-US" sz="2400" dirty="0"/>
+              <a:t> </a:t>
+            </a:r>
+            <a:r>
+              <a:rPr lang="en-US" sz="2400" dirty="0" err="1"/>
               <a:t>bir</a:t>
             </a:r>
             <a:r>
-              <a:rPr lang="en-US" sz="2400" b="1" dirty="0"/>
-              <a:t> </a:t>
-            </a:r>
-            <a:r>
-              <a:rPr lang="en-US" sz="2400" b="1" dirty="0" err="1"/>
+              <a:rPr lang="en-US" sz="2400" dirty="0"/>
+              <a:t> </a:t>
+            </a:r>
+            <a:r>
+              <a:rPr lang="en-US" sz="2400" dirty="0" err="1"/>
               <a:t>fonksiyon</a:t>
             </a:r>
             <a:r>
-              <a:rPr lang="en-US" sz="2400" b="1" dirty="0"/>
-              <a:t> </a:t>
-            </a:r>
-            <a:r>
-              <a:rPr lang="en-US" sz="2400" b="1" dirty="0" err="1"/>
+              <a:rPr lang="en-US" sz="2400" dirty="0"/>
+              <a:t> </a:t>
+            </a:r>
+            <a:r>
+              <a:rPr lang="en-US" sz="2400" dirty="0" err="1"/>
               <a:t>tanımlayalım</a:t>
             </a:r>
             <a:r>
-              <a:rPr lang="en-US" sz="2400" b="1" dirty="0"/>
+              <a:rPr lang="en-US" sz="2400" dirty="0"/>
               <a:t>.(</a:t>
             </a:r>
             <a:r>
-              <a:rPr lang="en-US" sz="2400" b="1" dirty="0" err="1"/>
+              <a:rPr lang="en-US" sz="2400" dirty="0" err="1"/>
               <a:t>Örnek</a:t>
             </a:r>
             <a:r>
-              <a:rPr lang="en-US" sz="2400" b="1" dirty="0"/>
+              <a:rPr lang="en-US" sz="2400" dirty="0"/>
               <a:t> division by zero </a:t>
             </a:r>
             <a:r>
-              <a:rPr lang="en-US" sz="2400" b="1" dirty="0" err="1"/>
+              <a:rPr lang="en-US" sz="2400" dirty="0" err="1"/>
               <a:t>durumunu</a:t>
             </a:r>
             <a:r>
-              <a:rPr lang="en-US" sz="2400" b="1" dirty="0"/>
-              <a:t> </a:t>
-            </a:r>
-            <a:r>
-              <a:rPr lang="en-US" sz="2400" b="1" dirty="0" err="1"/>
+              <a:rPr lang="en-US" sz="2400" dirty="0"/>
+              <a:t> </a:t>
+            </a:r>
+            <a:r>
+              <a:rPr lang="en-US" sz="2400" dirty="0" err="1"/>
               <a:t>göstermek</a:t>
             </a:r>
             <a:r>
-              <a:rPr lang="en-US" sz="2400" b="1" dirty="0"/>
-              <a:t> </a:t>
-            </a:r>
-            <a:r>
-              <a:rPr lang="en-US" sz="2400" b="1" dirty="0" err="1"/>
+              <a:rPr lang="en-US" sz="2400" dirty="0"/>
+              <a:t> </a:t>
+            </a:r>
+            <a:r>
+              <a:rPr lang="en-US" sz="2400" dirty="0" err="1"/>
               <a:t>için</a:t>
             </a:r>
             <a:r>
-              <a:rPr lang="en-US" sz="2400" b="1" dirty="0"/>
-              <a:t> </a:t>
-            </a:r>
-            <a:r>
-              <a:rPr lang="en-US" sz="2400" b="1" dirty="0" err="1"/>
+              <a:rPr lang="en-US" sz="2400" dirty="0"/>
+              <a:t> </a:t>
+            </a:r>
+            <a:r>
+              <a:rPr lang="en-US" sz="2400" dirty="0" err="1"/>
               <a:t>hayali</a:t>
             </a:r>
             <a:r>
-              <a:rPr lang="en-US" sz="2400" b="1" dirty="0"/>
-              <a:t> </a:t>
-            </a:r>
-            <a:r>
-              <a:rPr lang="en-US" sz="2400" b="1" dirty="0" err="1"/>
+              <a:rPr lang="en-US" sz="2400" dirty="0"/>
+              <a:t> </a:t>
+            </a:r>
+            <a:r>
+              <a:rPr lang="en-US" sz="2400" dirty="0" err="1"/>
               <a:t>bir</a:t>
             </a:r>
             <a:r>
-              <a:rPr lang="en-US" sz="2400" b="1" dirty="0"/>
-              <a:t> </a:t>
-            </a:r>
-            <a:r>
-              <a:rPr lang="en-US" sz="2400" b="1" dirty="0" err="1"/>
+              <a:rPr lang="en-US" sz="2400" dirty="0"/>
+              <a:t> </a:t>
+            </a:r>
+            <a:r>
+              <a:rPr lang="en-US" sz="2400" dirty="0" err="1"/>
               <a:t>örnektir</a:t>
             </a:r>
             <a:r>
-              <a:rPr lang="en-US" sz="2400" b="1" dirty="0"/>
+              <a:rPr lang="en-US" sz="2400" dirty="0"/>
               <a:t>.) </a:t>
             </a:r>
-            <a:endParaRPr lang="en-US" sz="2400" dirty="0"/>
           </a:p>
         </p:txBody>
       </p:sp>
@@ -12396,7 +12495,23 @@
           <a:bodyPr/>
           <a:lstStyle/>
           <a:p>
-            <a:endParaRPr lang="en-US"/>
+            <a:r>
+              <a:rPr lang="en-US" b="1" dirty="0">
+                <a:solidFill>
+                  <a:srgbClr val="002060"/>
+                </a:solidFill>
+              </a:rPr>
+              <a:t>IF –THEN </a:t>
+            </a:r>
+            <a:r>
+              <a:rPr lang="en-US" b="1" dirty="0" err="1">
+                <a:solidFill>
+                  <a:srgbClr val="002060"/>
+                </a:solidFill>
+              </a:rPr>
+              <a:t>Yapısı</a:t>
+            </a:r>
+            <a:endParaRPr lang="en-US" dirty="0"/>
           </a:p>
         </p:txBody>
       </p:sp>
@@ -12890,6 +13005,14 @@
           <a:bodyPr/>
           <a:lstStyle/>
           <a:p>
+            <a:r>
+              <a:rPr lang="en-US" b="1">
+                <a:solidFill>
+                  <a:srgbClr val="002060"/>
+                </a:solidFill>
+              </a:rPr>
+              <a:t>IF - THEN – ELSE Yapısı</a:t>
+            </a:r>
             <a:endParaRPr lang="en-US"/>
           </a:p>
         </p:txBody>
@@ -13438,7 +13561,23 @@
           <a:bodyPr/>
           <a:lstStyle/>
           <a:p>
-            <a:endParaRPr lang="en-US"/>
+            <a:r>
+              <a:rPr lang="en-US" b="1" dirty="0">
+                <a:solidFill>
+                  <a:srgbClr val="002060"/>
+                </a:solidFill>
+              </a:rPr>
+              <a:t>IF - THEN – ELSEIF </a:t>
+            </a:r>
+            <a:r>
+              <a:rPr lang="en-US" b="1" dirty="0" err="1">
+                <a:solidFill>
+                  <a:srgbClr val="002060"/>
+                </a:solidFill>
+              </a:rPr>
+              <a:t>Yapısı</a:t>
+            </a:r>
+            <a:endParaRPr lang="en-US" dirty="0"/>
           </a:p>
         </p:txBody>
       </p:sp>
@@ -14053,7 +14192,23 @@
           <a:bodyPr/>
           <a:lstStyle/>
           <a:p>
-            <a:endParaRPr lang="en-US"/>
+            <a:r>
+              <a:rPr lang="en-US" b="1" dirty="0">
+                <a:solidFill>
+                  <a:srgbClr val="002060"/>
+                </a:solidFill>
+              </a:rPr>
+              <a:t>CASE </a:t>
+            </a:r>
+            <a:r>
+              <a:rPr lang="en-US" b="1" dirty="0" err="1">
+                <a:solidFill>
+                  <a:srgbClr val="002060"/>
+                </a:solidFill>
+              </a:rPr>
+              <a:t>Yapısı</a:t>
+            </a:r>
+            <a:endParaRPr lang="en-US" dirty="0"/>
           </a:p>
         </p:txBody>
       </p:sp>
@@ -17267,14 +17422,26 @@
           <a:p>
             <a:pPr algn="just"/>
             <a:r>
-              <a:rPr lang="en-US" b="1" dirty="0"/>
+              <a:rPr lang="en-US" b="1" dirty="0">
+                <a:solidFill>
+                  <a:srgbClr val="002060"/>
+                </a:solidFill>
+              </a:rPr>
               <a:t>EXIT- WHEN </a:t>
             </a:r>
             <a:r>
-              <a:rPr lang="en-US" b="1" dirty="0" err="1"/>
+              <a:rPr lang="en-US" b="1" dirty="0" err="1">
+                <a:solidFill>
+                  <a:srgbClr val="002060"/>
+                </a:solidFill>
+              </a:rPr>
               <a:t>Yapısı</a:t>
             </a:r>
-            <a:endParaRPr lang="en-US" b="1" dirty="0"/>
+            <a:endParaRPr lang="en-US" b="1" dirty="0">
+              <a:solidFill>
+                <a:srgbClr val="002060"/>
+              </a:solidFill>
+            </a:endParaRPr>
           </a:p>
         </p:txBody>
       </p:sp>
@@ -17577,7 +17744,27 @@
           <a:lstStyle/>
           <a:p>
             <a:pPr algn="just"/>
-            <a:endParaRPr lang="en-US"/>
+            <a:r>
+              <a:rPr lang="en-US" b="1" dirty="0">
+                <a:solidFill>
+                  <a:srgbClr val="002060"/>
+                </a:solidFill>
+              </a:rPr>
+              <a:t>EXIT- WHEN </a:t>
+            </a:r>
+            <a:r>
+              <a:rPr lang="en-US" b="1" dirty="0" err="1">
+                <a:solidFill>
+                  <a:srgbClr val="002060"/>
+                </a:solidFill>
+              </a:rPr>
+              <a:t>Yapısı</a:t>
+            </a:r>
+            <a:endParaRPr lang="en-US" dirty="0">
+              <a:solidFill>
+                <a:srgbClr val="002060"/>
+              </a:solidFill>
+            </a:endParaRPr>
           </a:p>
         </p:txBody>
       </p:sp>
@@ -18119,7 +18306,23 @@
           <a:bodyPr/>
           <a:lstStyle/>
           <a:p>
-            <a:endParaRPr lang="en-US"/>
+            <a:r>
+              <a:rPr lang="en-US" b="1" dirty="0">
+                <a:solidFill>
+                  <a:srgbClr val="002060"/>
+                </a:solidFill>
+              </a:rPr>
+              <a:t>WHILE – LOOP </a:t>
+            </a:r>
+            <a:r>
+              <a:rPr lang="en-US" b="1" dirty="0" err="1">
+                <a:solidFill>
+                  <a:srgbClr val="002060"/>
+                </a:solidFill>
+              </a:rPr>
+              <a:t>Yapısı</a:t>
+            </a:r>
+            <a:endParaRPr lang="en-US" dirty="0"/>
           </a:p>
         </p:txBody>
       </p:sp>
@@ -18938,7 +19141,23 @@
           <a:bodyPr/>
           <a:lstStyle/>
           <a:p>
-            <a:endParaRPr lang="en-US"/>
+            <a:r>
+              <a:rPr lang="en-US" b="1" dirty="0">
+                <a:solidFill>
+                  <a:srgbClr val="002060"/>
+                </a:solidFill>
+              </a:rPr>
+              <a:t>FOR – LOOP </a:t>
+            </a:r>
+            <a:r>
+              <a:rPr lang="en-US" b="1" dirty="0" err="1">
+                <a:solidFill>
+                  <a:srgbClr val="002060"/>
+                </a:solidFill>
+              </a:rPr>
+              <a:t>Yapısı</a:t>
+            </a:r>
+            <a:endParaRPr lang="en-US" dirty="0"/>
           </a:p>
         </p:txBody>
       </p:sp>
@@ -19518,7 +19737,31 @@
           <a:bodyPr/>
           <a:lstStyle/>
           <a:p>
-            <a:endParaRPr lang="en-US"/>
+            <a:r>
+              <a:rPr lang="en-US" b="1" dirty="0">
+                <a:solidFill>
+                  <a:srgbClr val="002060"/>
+                </a:solidFill>
+              </a:rPr>
+              <a:t>GOTO </a:t>
+            </a:r>
+            <a:r>
+              <a:rPr lang="en-US" b="1" dirty="0" err="1">
+                <a:solidFill>
+                  <a:srgbClr val="002060"/>
+                </a:solidFill>
+              </a:rPr>
+              <a:t>Yapısı</a:t>
+            </a:r>
+            <a:r>
+              <a:rPr lang="en-US" b="1" dirty="0">
+                <a:solidFill>
+                  <a:srgbClr val="002060"/>
+                </a:solidFill>
+              </a:rPr>
+              <a:t> </a:t>
+            </a:r>
+            <a:endParaRPr lang="en-US" dirty="0"/>
           </a:p>
         </p:txBody>
       </p:sp>
@@ -20219,7 +20462,23 @@
           <a:bodyPr/>
           <a:lstStyle/>
           <a:p>
-            <a:endParaRPr lang="en-US"/>
+            <a:r>
+              <a:rPr lang="en-US" b="1" dirty="0">
+                <a:solidFill>
+                  <a:srgbClr val="002060"/>
+                </a:solidFill>
+              </a:rPr>
+              <a:t>NULL </a:t>
+            </a:r>
+            <a:r>
+              <a:rPr lang="en-US" b="1" dirty="0" err="1">
+                <a:solidFill>
+                  <a:srgbClr val="002060"/>
+                </a:solidFill>
+              </a:rPr>
+              <a:t>Yapısı</a:t>
+            </a:r>
+            <a:endParaRPr lang="en-US" dirty="0"/>
           </a:p>
         </p:txBody>
       </p:sp>
@@ -20459,58 +20718,265 @@
       </p:grpSpPr>
       <p:sp>
         <p:nvSpPr>
-          <p:cNvPr id="2" name="Title 1">
+          <p:cNvPr id="4" name="Content Placeholder 1">
             <a:extLst>
               <a:ext uri="{FF2B5EF4-FFF2-40B4-BE49-F238E27FC236}">
-                <a16:creationId xmlns:a16="http://schemas.microsoft.com/office/drawing/2014/main" id="{0414704A-039B-FEE1-3FB4-60964B1D7FC3}"/>
+                <a16:creationId xmlns:a16="http://schemas.microsoft.com/office/drawing/2014/main" id="{5B10FEEE-DEDE-E4E9-8759-B88CCFDEDF42}"/>
               </a:ext>
             </a:extLst>
           </p:cNvPr>
-          <p:cNvSpPr>
-            <a:spLocks noGrp="1"/>
+          <p:cNvSpPr txBox="1">
+            <a:spLocks/>
           </p:cNvSpPr>
-          <p:nvPr>
-            <p:ph type="title"/>
-          </p:nvPr>
+          <p:nvPr/>
         </p:nvSpPr>
-        <p:spPr/>
+        <p:spPr>
+          <a:xfrm>
+            <a:off x="1487488" y="2924175"/>
+            <a:ext cx="9577387" cy="2520950"/>
+          </a:xfrm>
+          <a:prstGeom prst="rect">
+            <a:avLst/>
+          </a:prstGeom>
+        </p:spPr>
         <p:txBody>
-          <a:bodyPr/>
-          <a:lstStyle/>
-          <a:p>
-            <a:endParaRPr lang="en-US"/>
-          </a:p>
-        </p:txBody>
-      </p:sp>
-      <p:sp>
-        <p:nvSpPr>
-          <p:cNvPr id="3" name="Content Placeholder 2">
-            <a:extLst>
-              <a:ext uri="{FF2B5EF4-FFF2-40B4-BE49-F238E27FC236}">
-                <a16:creationId xmlns:a16="http://schemas.microsoft.com/office/drawing/2014/main" id="{2270CD5A-7484-0288-A7FC-25CEE7715418}"/>
-              </a:ext>
-            </a:extLst>
-          </p:cNvPr>
-          <p:cNvSpPr>
-            <a:spLocks noGrp="1"/>
-          </p:cNvSpPr>
-          <p:nvPr>
-            <p:ph idx="1"/>
-          </p:nvPr>
-        </p:nvSpPr>
-        <p:spPr/>
-        <p:txBody>
-          <a:bodyPr/>
-          <a:lstStyle/>
-          <a:p>
-            <a:endParaRPr lang="en-US"/>
+          <a:bodyPr>
+            <a:normAutofit/>
+          </a:bodyPr>
+          <a:lstStyle>
+            <a:lvl1pPr marL="228600" indent="-228600" algn="l" defTabSz="914400" rtl="0" eaLnBrk="1" latinLnBrk="0" hangingPunct="1">
+              <a:lnSpc>
+                <a:spcPct val="90000"/>
+              </a:lnSpc>
+              <a:spcBef>
+                <a:spcPts val="1000"/>
+              </a:spcBef>
+              <a:buFont typeface="Arial" panose="020B0604020202020204" pitchFamily="34" charset="0"/>
+              <a:buChar char="•"/>
+              <a:defRPr sz="2800" kern="1200">
+                <a:solidFill>
+                  <a:schemeClr val="tx1"/>
+                </a:solidFill>
+                <a:latin typeface="+mn-lt"/>
+                <a:ea typeface="+mn-ea"/>
+                <a:cs typeface="+mn-cs"/>
+              </a:defRPr>
+            </a:lvl1pPr>
+            <a:lvl2pPr marL="685800" indent="-228600" algn="l" defTabSz="914400" rtl="0" eaLnBrk="1" latinLnBrk="0" hangingPunct="1">
+              <a:lnSpc>
+                <a:spcPct val="90000"/>
+              </a:lnSpc>
+              <a:spcBef>
+                <a:spcPts val="500"/>
+              </a:spcBef>
+              <a:buFont typeface="Arial" panose="020B0604020202020204" pitchFamily="34" charset="0"/>
+              <a:buChar char="•"/>
+              <a:defRPr sz="2400" kern="1200">
+                <a:solidFill>
+                  <a:schemeClr val="tx1"/>
+                </a:solidFill>
+                <a:latin typeface="+mn-lt"/>
+                <a:ea typeface="+mn-ea"/>
+                <a:cs typeface="+mn-cs"/>
+              </a:defRPr>
+            </a:lvl2pPr>
+            <a:lvl3pPr marL="1143000" indent="-228600" algn="l" defTabSz="914400" rtl="0" eaLnBrk="1" latinLnBrk="0" hangingPunct="1">
+              <a:lnSpc>
+                <a:spcPct val="90000"/>
+              </a:lnSpc>
+              <a:spcBef>
+                <a:spcPts val="500"/>
+              </a:spcBef>
+              <a:buFont typeface="Arial" panose="020B0604020202020204" pitchFamily="34" charset="0"/>
+              <a:buChar char="•"/>
+              <a:defRPr sz="2000" kern="1200">
+                <a:solidFill>
+                  <a:schemeClr val="tx1"/>
+                </a:solidFill>
+                <a:latin typeface="+mn-lt"/>
+                <a:ea typeface="+mn-ea"/>
+                <a:cs typeface="+mn-cs"/>
+              </a:defRPr>
+            </a:lvl3pPr>
+            <a:lvl4pPr marL="1600200" indent="-228600" algn="l" defTabSz="914400" rtl="0" eaLnBrk="1" latinLnBrk="0" hangingPunct="1">
+              <a:lnSpc>
+                <a:spcPct val="90000"/>
+              </a:lnSpc>
+              <a:spcBef>
+                <a:spcPts val="500"/>
+              </a:spcBef>
+              <a:buFont typeface="Arial" panose="020B0604020202020204" pitchFamily="34" charset="0"/>
+              <a:buChar char="•"/>
+              <a:defRPr sz="1800" kern="1200">
+                <a:solidFill>
+                  <a:schemeClr val="tx1"/>
+                </a:solidFill>
+                <a:latin typeface="+mn-lt"/>
+                <a:ea typeface="+mn-ea"/>
+                <a:cs typeface="+mn-cs"/>
+              </a:defRPr>
+            </a:lvl4pPr>
+            <a:lvl5pPr marL="2057400" indent="-228600" algn="l" defTabSz="914400" rtl="0" eaLnBrk="1" latinLnBrk="0" hangingPunct="1">
+              <a:lnSpc>
+                <a:spcPct val="90000"/>
+              </a:lnSpc>
+              <a:spcBef>
+                <a:spcPts val="500"/>
+              </a:spcBef>
+              <a:buFont typeface="Arial" panose="020B0604020202020204" pitchFamily="34" charset="0"/>
+              <a:buChar char="•"/>
+              <a:defRPr sz="1800" kern="1200">
+                <a:solidFill>
+                  <a:schemeClr val="tx1"/>
+                </a:solidFill>
+                <a:latin typeface="+mn-lt"/>
+                <a:ea typeface="+mn-ea"/>
+                <a:cs typeface="+mn-cs"/>
+              </a:defRPr>
+            </a:lvl5pPr>
+            <a:lvl6pPr marL="2514600" indent="-228600" algn="l" defTabSz="914400" rtl="0" eaLnBrk="1" latinLnBrk="0" hangingPunct="1">
+              <a:lnSpc>
+                <a:spcPct val="90000"/>
+              </a:lnSpc>
+              <a:spcBef>
+                <a:spcPts val="500"/>
+              </a:spcBef>
+              <a:buFont typeface="Arial" panose="020B0604020202020204" pitchFamily="34" charset="0"/>
+              <a:buChar char="•"/>
+              <a:defRPr sz="1800" kern="1200">
+                <a:solidFill>
+                  <a:schemeClr val="tx1"/>
+                </a:solidFill>
+                <a:latin typeface="+mn-lt"/>
+                <a:ea typeface="+mn-ea"/>
+                <a:cs typeface="+mn-cs"/>
+              </a:defRPr>
+            </a:lvl6pPr>
+            <a:lvl7pPr marL="2971800" indent="-228600" algn="l" defTabSz="914400" rtl="0" eaLnBrk="1" latinLnBrk="0" hangingPunct="1">
+              <a:lnSpc>
+                <a:spcPct val="90000"/>
+              </a:lnSpc>
+              <a:spcBef>
+                <a:spcPts val="500"/>
+              </a:spcBef>
+              <a:buFont typeface="Arial" panose="020B0604020202020204" pitchFamily="34" charset="0"/>
+              <a:buChar char="•"/>
+              <a:defRPr sz="1800" kern="1200">
+                <a:solidFill>
+                  <a:schemeClr val="tx1"/>
+                </a:solidFill>
+                <a:latin typeface="+mn-lt"/>
+                <a:ea typeface="+mn-ea"/>
+                <a:cs typeface="+mn-cs"/>
+              </a:defRPr>
+            </a:lvl7pPr>
+            <a:lvl8pPr marL="3429000" indent="-228600" algn="l" defTabSz="914400" rtl="0" eaLnBrk="1" latinLnBrk="0" hangingPunct="1">
+              <a:lnSpc>
+                <a:spcPct val="90000"/>
+              </a:lnSpc>
+              <a:spcBef>
+                <a:spcPts val="500"/>
+              </a:spcBef>
+              <a:buFont typeface="Arial" panose="020B0604020202020204" pitchFamily="34" charset="0"/>
+              <a:buChar char="•"/>
+              <a:defRPr sz="1800" kern="1200">
+                <a:solidFill>
+                  <a:schemeClr val="tx1"/>
+                </a:solidFill>
+                <a:latin typeface="+mn-lt"/>
+                <a:ea typeface="+mn-ea"/>
+                <a:cs typeface="+mn-cs"/>
+              </a:defRPr>
+            </a:lvl8pPr>
+            <a:lvl9pPr marL="3886200" indent="-228600" algn="l" defTabSz="914400" rtl="0" eaLnBrk="1" latinLnBrk="0" hangingPunct="1">
+              <a:lnSpc>
+                <a:spcPct val="90000"/>
+              </a:lnSpc>
+              <a:spcBef>
+                <a:spcPts val="500"/>
+              </a:spcBef>
+              <a:buFont typeface="Arial" panose="020B0604020202020204" pitchFamily="34" charset="0"/>
+              <a:buChar char="•"/>
+              <a:defRPr sz="1800" kern="1200">
+                <a:solidFill>
+                  <a:schemeClr val="tx1"/>
+                </a:solidFill>
+                <a:latin typeface="+mn-lt"/>
+                <a:ea typeface="+mn-ea"/>
+                <a:cs typeface="+mn-cs"/>
+              </a:defRPr>
+            </a:lvl9pPr>
+          </a:lstStyle>
+          <a:p>
+            <a:pPr marL="0" indent="0" algn="ctr">
+              <a:lnSpc>
+                <a:spcPct val="70000"/>
+              </a:lnSpc>
+              <a:buFont typeface="Arial" panose="020B0604020202020204" pitchFamily="34" charset="0"/>
+              <a:buNone/>
+            </a:pPr>
+            <a:r>
+              <a:rPr lang="tr-TR" altLang="en-US" sz="3400" b="1" dirty="0">
+                <a:solidFill>
+                  <a:srgbClr val="002060"/>
+                </a:solidFill>
+              </a:rPr>
+              <a:t>keyifli çalışmalar...</a:t>
+            </a:r>
+            <a:endParaRPr lang="en-US" altLang="en-US" sz="3400" b="1" dirty="0">
+              <a:solidFill>
+                <a:srgbClr val="002060"/>
+              </a:solidFill>
+            </a:endParaRPr>
+          </a:p>
+          <a:p>
+            <a:pPr marL="0" indent="0" algn="ctr">
+              <a:lnSpc>
+                <a:spcPct val="70000"/>
+              </a:lnSpc>
+              <a:buFont typeface="Arial" panose="020B0604020202020204" pitchFamily="34" charset="0"/>
+              <a:buNone/>
+            </a:pPr>
+            <a:endParaRPr lang="en-US" altLang="en-US" sz="3400" b="1" dirty="0">
+              <a:solidFill>
+                <a:srgbClr val="002060"/>
+              </a:solidFill>
+            </a:endParaRPr>
+          </a:p>
+          <a:p>
+            <a:pPr marL="0" indent="0" algn="ctr">
+              <a:lnSpc>
+                <a:spcPct val="70000"/>
+              </a:lnSpc>
+              <a:buFont typeface="Arial" panose="020B0604020202020204" pitchFamily="34" charset="0"/>
+              <a:buNone/>
+            </a:pPr>
+            <a:endParaRPr lang="en-US" altLang="en-US" sz="3400" b="1" dirty="0">
+              <a:solidFill>
+                <a:srgbClr val="002060"/>
+              </a:solidFill>
+            </a:endParaRPr>
+          </a:p>
+          <a:p>
+            <a:pPr marL="0" indent="0" algn="ctr">
+              <a:lnSpc>
+                <a:spcPct val="70000"/>
+              </a:lnSpc>
+              <a:buFont typeface="Arial" panose="020B0604020202020204" pitchFamily="34" charset="0"/>
+              <a:buNone/>
+            </a:pPr>
+            <a:endParaRPr lang="en-US" altLang="en-US" sz="3400" b="1" dirty="0">
+              <a:solidFill>
+                <a:srgbClr val="002060"/>
+              </a:solidFill>
+            </a:endParaRPr>
           </a:p>
         </p:txBody>
       </p:sp>
     </p:spTree>
     <p:extLst>
       <p:ext uri="{BB962C8B-B14F-4D97-AF65-F5344CB8AC3E}">
-        <p14:creationId xmlns:p14="http://schemas.microsoft.com/office/powerpoint/2010/main" val="1027529014"/>
+        <p14:creationId xmlns:p14="http://schemas.microsoft.com/office/powerpoint/2010/main" val="3217771155"/>
       </p:ext>
     </p:extLst>
   </p:cSld>
